--- a/notes.pptx
+++ b/notes.pptx
@@ -3470,6 +3470,10 @@
           <a:bodyPr/>
           <a:lstStyle/>
           <a:p>
+            <a:r>
+              <a:rPr lang="fr-FR"/>
+              <a:t>https://jlg-consulting.com/orsys/AGU/</a:t>
+            </a:r>
             <a:endParaRPr lang="fr-FR"/>
           </a:p>
         </p:txBody>
